--- a/Lectures/Week8/Recursion.pptx
+++ b/Lectures/Week8/Recursion.pptx
@@ -2287,7 +2287,7 @@
           <a:p>
             <a:fld id="{1160EA64-D806-43AC-9DF2-F8C432F32B4C}" type="datetimeFigureOut">
               <a:rPr lang="en-US" dirty="0"/>
-              <a:t>7/19/21</a:t>
+              <a:t>7/20/21</a:t>
             </a:fld>
             <a:endParaRPr lang="en-US" dirty="0"/>
           </a:p>
@@ -2459,7 +2459,7 @@
           <a:p>
             <a:fld id="{F070A7B3-6521-4DCA-87E5-044747A908C1}" type="datetimeFigureOut">
               <a:rPr lang="en-US" dirty="0"/>
-              <a:t>7/19/21</a:t>
+              <a:t>7/20/21</a:t>
             </a:fld>
             <a:endParaRPr lang="en-US" dirty="0"/>
           </a:p>
@@ -2731,7 +2731,7 @@
           <a:p>
             <a:fld id="{1160EA64-D806-43AC-9DF2-F8C432F32B4C}" type="datetimeFigureOut">
               <a:rPr lang="en-US" dirty="0"/>
-              <a:t>7/19/21</a:t>
+              <a:t>7/20/21</a:t>
             </a:fld>
             <a:endParaRPr lang="en-US" dirty="0"/>
           </a:p>
@@ -2965,7 +2965,7 @@
           <a:p>
             <a:fld id="{AB134690-1557-4C89-A502-4959FE7FAD70}" type="datetimeFigureOut">
               <a:rPr lang="en-US" dirty="0"/>
-              <a:t>7/19/21</a:t>
+              <a:t>7/20/21</a:t>
             </a:fld>
             <a:endParaRPr lang="en-US" dirty="0"/>
           </a:p>
@@ -3325,7 +3325,7 @@
           <a:p>
             <a:fld id="{4F7D4976-E339-4826-83B7-FBD03F55ECF8}" type="datetimeFigureOut">
               <a:rPr lang="en-US" dirty="0"/>
-              <a:t>7/19/21</a:t>
+              <a:t>7/20/21</a:t>
             </a:fld>
             <a:endParaRPr lang="en-US" dirty="0"/>
           </a:p>
@@ -3467,7 +3467,7 @@
           <a:p>
             <a:fld id="{E1037C31-9E7A-4F99-8774-A0E530DE1A42}" type="datetimeFigureOut">
               <a:rPr lang="en-US" dirty="0"/>
-              <a:t>7/19/21</a:t>
+              <a:t>7/20/21</a:t>
             </a:fld>
             <a:endParaRPr lang="en-US" dirty="0"/>
           </a:p>
@@ -3565,7 +3565,7 @@
           <a:p>
             <a:fld id="{C278504F-A551-4DE0-9316-4DCD1D8CC752}" type="datetimeFigureOut">
               <a:rPr lang="en-US" dirty="0"/>
-              <a:t>7/19/21</a:t>
+              <a:t>7/20/21</a:t>
             </a:fld>
             <a:endParaRPr lang="en-US" dirty="0"/>
           </a:p>
@@ -3923,7 +3923,7 @@
           <a:p>
             <a:fld id="{D1BE4249-C0D0-4B06-8692-E8BB871AF643}" type="datetimeFigureOut">
               <a:rPr lang="en-US" dirty="0"/>
-              <a:t>7/19/21</a:t>
+              <a:t>7/20/21</a:t>
             </a:fld>
             <a:endParaRPr lang="en-US" dirty="0"/>
           </a:p>
@@ -4514,7 +4514,7 @@
           <a:p>
             <a:fld id="{042B0DB6-F5C7-45FB-8CF3-31B45F9C2DAC}" type="datetimeFigureOut">
               <a:rPr lang="en-US" dirty="0"/>
-              <a:t>7/19/21</a:t>
+              <a:t>7/20/21</a:t>
             </a:fld>
             <a:endParaRPr lang="en-US" dirty="0"/>
           </a:p>
@@ -4700,7 +4700,7 @@
           <a:p>
             <a:fld id="{E9F9C37B-1D36-470B-8223-D6C91242EC14}" type="datetimeFigureOut">
               <a:rPr lang="en-US" dirty="0"/>
-              <a:t>7/19/21</a:t>
+              <a:t>7/20/21</a:t>
             </a:fld>
             <a:endParaRPr lang="en-US" dirty="0"/>
           </a:p>
@@ -4881,7 +4881,7 @@
           <a:p>
             <a:fld id="{67C6F52A-A82B-47A2-A83A-8C4C91F2D59F}" type="datetimeFigureOut">
               <a:rPr lang="en-US" dirty="0"/>
-              <a:t>7/19/21</a:t>
+              <a:t>7/20/21</a:t>
             </a:fld>
             <a:endParaRPr lang="en-US" dirty="0"/>
           </a:p>
@@ -9746,7 +9746,7 @@
           <a:p>
             <a:fld id="{1160EA64-D806-43AC-9DF2-F8C432F32B4C}" type="datetimeFigureOut">
               <a:rPr lang="en-US" dirty="0"/>
-              <a:t>7/19/21</a:t>
+              <a:t>7/20/21</a:t>
             </a:fld>
             <a:endParaRPr lang="en-US" dirty="0"/>
           </a:p>
@@ -11109,27 +11109,6 @@
             <a:pPr fontAlgn="base"/>
             <a:r>
               <a:rPr lang="en-US" dirty="0"/>
-              <a:t>You have already been doing it! </a:t>
-            </a:r>
-          </a:p>
-          <a:p>
-            <a:pPr lvl="1" fontAlgn="base"/>
-            <a:r>
-              <a:rPr lang="en-US" dirty="0"/>
-              <a:t>How? </a:t>
-            </a:r>
-          </a:p>
-          <a:p>
-            <a:pPr lvl="1" fontAlgn="base"/>
-            <a:r>
-              <a:rPr lang="en-US" dirty="0"/>
-              <a:t>All the menus</a:t>
-            </a:r>
-          </a:p>
-          <a:p>
-            <a:pPr fontAlgn="base"/>
-            <a:r>
-              <a:rPr lang="en-US" dirty="0"/>
               <a:t>Recursion is simply a function/method calling itself</a:t>
             </a:r>
           </a:p>
@@ -11151,7 +11130,15 @@
             <a:pPr lvl="1" fontAlgn="base"/>
             <a:r>
               <a:rPr lang="en-US" dirty="0"/>
-              <a:t>And method call</a:t>
+              <a:t>And </a:t>
+            </a:r>
+            <a:r>
+              <a:rPr lang="en-US"/>
+              <a:t>function or method </a:t>
+            </a:r>
+            <a:r>
+              <a:rPr lang="en-US" dirty="0"/>
+              <a:t>call</a:t>
             </a:r>
           </a:p>
         </p:txBody>
